--- a/Alverad-2025.pptx
+++ b/Alverad-2025.pptx
@@ -1338,7 +1338,7 @@
           <a:p>
             <a:fld id="{807AC11F-7089-49B3-92D4-B9D8BF3AAAA9}" type="datetimeFigureOut">
               <a:rPr lang="hu-HU" smtClean="0"/>
-              <a:t>2025. 10. 14.</a:t>
+              <a:t>2025. 10. 15.</a:t>
             </a:fld>
             <a:endParaRPr lang="hu-HU"/>
           </a:p>
@@ -3014,7 +3014,7 @@
           <a:p>
             <a:fld id="{996333FD-3F07-4EEA-99DD-37AEE0CFF0CB}" type="datetimeFigureOut">
               <a:rPr lang="hu-HU" smtClean="0"/>
-              <a:t>2025. 10. 14.</a:t>
+              <a:t>2025. 10. 15.</a:t>
             </a:fld>
             <a:endParaRPr lang="hu-HU"/>
           </a:p>
@@ -3184,7 +3184,7 @@
           <a:p>
             <a:fld id="{996333FD-3F07-4EEA-99DD-37AEE0CFF0CB}" type="datetimeFigureOut">
               <a:rPr lang="hu-HU" smtClean="0"/>
-              <a:t>2025. 10. 14.</a:t>
+              <a:t>2025. 10. 15.</a:t>
             </a:fld>
             <a:endParaRPr lang="hu-HU"/>
           </a:p>
@@ -3364,7 +3364,7 @@
           <a:p>
             <a:fld id="{996333FD-3F07-4EEA-99DD-37AEE0CFF0CB}" type="datetimeFigureOut">
               <a:rPr lang="hu-HU" smtClean="0"/>
-              <a:t>2025. 10. 14.</a:t>
+              <a:t>2025. 10. 15.</a:t>
             </a:fld>
             <a:endParaRPr lang="hu-HU"/>
           </a:p>
@@ -3534,7 +3534,7 @@
           <a:p>
             <a:fld id="{996333FD-3F07-4EEA-99DD-37AEE0CFF0CB}" type="datetimeFigureOut">
               <a:rPr lang="hu-HU" smtClean="0"/>
-              <a:t>2025. 10. 14.</a:t>
+              <a:t>2025. 10. 15.</a:t>
             </a:fld>
             <a:endParaRPr lang="hu-HU"/>
           </a:p>
@@ -3780,7 +3780,7 @@
           <a:p>
             <a:fld id="{996333FD-3F07-4EEA-99DD-37AEE0CFF0CB}" type="datetimeFigureOut">
               <a:rPr lang="hu-HU" smtClean="0"/>
-              <a:t>2025. 10. 14.</a:t>
+              <a:t>2025. 10. 15.</a:t>
             </a:fld>
             <a:endParaRPr lang="hu-HU"/>
           </a:p>
@@ -4012,7 +4012,7 @@
           <a:p>
             <a:fld id="{996333FD-3F07-4EEA-99DD-37AEE0CFF0CB}" type="datetimeFigureOut">
               <a:rPr lang="hu-HU" smtClean="0"/>
-              <a:t>2025. 10. 14.</a:t>
+              <a:t>2025. 10. 15.</a:t>
             </a:fld>
             <a:endParaRPr lang="hu-HU"/>
           </a:p>
@@ -4379,7 +4379,7 @@
           <a:p>
             <a:fld id="{996333FD-3F07-4EEA-99DD-37AEE0CFF0CB}" type="datetimeFigureOut">
               <a:rPr lang="hu-HU" smtClean="0"/>
-              <a:t>2025. 10. 14.</a:t>
+              <a:t>2025. 10. 15.</a:t>
             </a:fld>
             <a:endParaRPr lang="hu-HU"/>
           </a:p>
@@ -4497,7 +4497,7 @@
           <a:p>
             <a:fld id="{996333FD-3F07-4EEA-99DD-37AEE0CFF0CB}" type="datetimeFigureOut">
               <a:rPr lang="hu-HU" smtClean="0"/>
-              <a:t>2025. 10. 14.</a:t>
+              <a:t>2025. 10. 15.</a:t>
             </a:fld>
             <a:endParaRPr lang="hu-HU"/>
           </a:p>
@@ -4592,7 +4592,7 @@
           <a:p>
             <a:fld id="{996333FD-3F07-4EEA-99DD-37AEE0CFF0CB}" type="datetimeFigureOut">
               <a:rPr lang="hu-HU" smtClean="0"/>
-              <a:t>2025. 10. 14.</a:t>
+              <a:t>2025. 10. 15.</a:t>
             </a:fld>
             <a:endParaRPr lang="hu-HU"/>
           </a:p>
@@ -4869,7 +4869,7 @@
           <a:p>
             <a:fld id="{996333FD-3F07-4EEA-99DD-37AEE0CFF0CB}" type="datetimeFigureOut">
               <a:rPr lang="hu-HU" smtClean="0"/>
-              <a:t>2025. 10. 14.</a:t>
+              <a:t>2025. 10. 15.</a:t>
             </a:fld>
             <a:endParaRPr lang="hu-HU"/>
           </a:p>
@@ -5126,7 +5126,7 @@
           <a:p>
             <a:fld id="{996333FD-3F07-4EEA-99DD-37AEE0CFF0CB}" type="datetimeFigureOut">
               <a:rPr lang="hu-HU" smtClean="0"/>
-              <a:t>2025. 10. 14.</a:t>
+              <a:t>2025. 10. 15.</a:t>
             </a:fld>
             <a:endParaRPr lang="hu-HU"/>
           </a:p>
@@ -5339,7 +5339,7 @@
           <a:p>
             <a:fld id="{996333FD-3F07-4EEA-99DD-37AEE0CFF0CB}" type="datetimeFigureOut">
               <a:rPr lang="hu-HU" smtClean="0"/>
-              <a:t>2025. 10. 14.</a:t>
+              <a:t>2025. 10. 15.</a:t>
             </a:fld>
             <a:endParaRPr lang="hu-HU"/>
           </a:p>
@@ -16146,7 +16146,7 @@
                   <a:srgbClr val="000000"/>
                 </a:highlight>
               </a:rPr>
-              <a:t>132 (31%) jól konfigurált https)</a:t>
+              <a:t>132 (31%) jól konfigurált https</a:t>
             </a:r>
           </a:p>
           <a:p>
@@ -16266,14 +16266,11 @@
               </a:rPr>
               <a:t>smtp</a:t>
             </a:r>
-            <a:r>
-              <a:rPr lang="hu-HU" sz="2800" dirty="0">
-                <a:highlight>
-                  <a:srgbClr val="000000"/>
-                </a:highlight>
-              </a:rPr>
-              <a:t>)</a:t>
-            </a:r>
+            <a:endParaRPr lang="hu-HU" sz="2800" dirty="0">
+              <a:highlight>
+                <a:srgbClr val="000000"/>
+              </a:highlight>
+            </a:endParaRPr>
           </a:p>
           <a:p>
             <a:pPr marL="571500" indent="-571500">
